--- a/Week 2 - Arrays and Matrices - Relational and Logical Operators/PowerPoint Presentations/Week_2_Part_1_Arrays_and_Matrices.pptx
+++ b/Week 2 - Arrays and Matrices - Relational and Logical Operators/PowerPoint Presentations/Week_2_Part_1_Arrays_and_Matrices.pptx
@@ -239,7 +239,7 @@
           <a:p>
             <a:fld id="{C0DB4203-FCE6-4DB9-8B82-6DDA69D645A0}" type="datetimeFigureOut">
               <a:rPr lang="en-ZA" smtClean="0"/>
-              <a:t>2023/05/09</a:t>
+              <a:t>23 May 2023</a:t>
             </a:fld>
             <a:endParaRPr lang="en-ZA"/>
           </a:p>
@@ -20880,7 +20880,7 @@
               <a:buNone/>
             </a:pPr>
             <a:r>
-              <a:rPr lang="en-GB" sz="1800" dirty="0">
+              <a:rPr lang="en-GB" sz="1600" dirty="0">
                 <a:effectLst/>
                 <a:latin typeface="Helvetica" panose="020B0604020202020204" pitchFamily="34" charset="0"/>
                 <a:ea typeface="Times New Roman" panose="02020603050405020304" pitchFamily="18" charset="0"/>
@@ -20888,7 +20888,7 @@
               </a:rPr>
               <a:t>Last week, we learnt about:</a:t>
             </a:r>
-            <a:endParaRPr lang="en-ZA" sz="1800" dirty="0">
+            <a:endParaRPr lang="en-ZA" sz="1600" dirty="0">
               <a:effectLst/>
               <a:latin typeface="Helvetica" panose="020B0604020202020204" pitchFamily="34" charset="0"/>
               <a:ea typeface="Times New Roman" panose="02020603050405020304" pitchFamily="18" charset="0"/>
@@ -20904,7 +20904,7 @@
               <a:buChar char=""/>
             </a:pPr>
             <a:r>
-              <a:rPr lang="en-GB" sz="1800" dirty="0">
+              <a:rPr lang="en-GB" sz="1600" dirty="0">
                 <a:effectLst/>
                 <a:latin typeface="Helvetica" panose="020B0604020202020204" pitchFamily="34" charset="0"/>
                 <a:ea typeface="Times New Roman" panose="02020603050405020304" pitchFamily="18" charset="0"/>
@@ -20912,7 +20912,7 @@
               </a:rPr>
               <a:t>What programming is</a:t>
             </a:r>
-            <a:endParaRPr lang="en-ZA" sz="1800" dirty="0">
+            <a:endParaRPr lang="en-ZA" sz="1600" dirty="0">
               <a:effectLst/>
               <a:latin typeface="Helvetica" panose="020B0604020202020204" pitchFamily="34" charset="0"/>
               <a:ea typeface="Times New Roman" panose="02020603050405020304" pitchFamily="18" charset="0"/>
@@ -20928,7 +20928,7 @@
               <a:buChar char=""/>
             </a:pPr>
             <a:r>
-              <a:rPr lang="en-GB" sz="1800" dirty="0">
+              <a:rPr lang="en-GB" sz="1600" dirty="0">
                 <a:effectLst/>
                 <a:latin typeface="Helvetica" panose="020B0604020202020204" pitchFamily="34" charset="0"/>
                 <a:ea typeface="Times New Roman" panose="02020603050405020304" pitchFamily="18" charset="0"/>
@@ -20936,7 +20936,7 @@
               </a:rPr>
               <a:t>What MATLAB is</a:t>
             </a:r>
-            <a:endParaRPr lang="en-ZA" sz="1800" dirty="0">
+            <a:endParaRPr lang="en-ZA" sz="1600" dirty="0">
               <a:effectLst/>
               <a:latin typeface="Helvetica" panose="020B0604020202020204" pitchFamily="34" charset="0"/>
               <a:ea typeface="Times New Roman" panose="02020603050405020304" pitchFamily="18" charset="0"/>
@@ -20952,7 +20952,7 @@
               <a:buChar char=""/>
             </a:pPr>
             <a:r>
-              <a:rPr lang="en-GB" sz="1800" dirty="0">
+              <a:rPr lang="en-GB" sz="1600" dirty="0">
                 <a:effectLst/>
                 <a:latin typeface="Helvetica" panose="020B0604020202020204" pitchFamily="34" charset="0"/>
                 <a:ea typeface="Times New Roman" panose="02020603050405020304" pitchFamily="18" charset="0"/>
@@ -20960,7 +20960,7 @@
               </a:rPr>
               <a:t>Data types</a:t>
             </a:r>
-            <a:endParaRPr lang="en-ZA" sz="1800" dirty="0">
+            <a:endParaRPr lang="en-ZA" sz="1600" dirty="0">
               <a:effectLst/>
               <a:latin typeface="Helvetica" panose="020B0604020202020204" pitchFamily="34" charset="0"/>
               <a:ea typeface="Times New Roman" panose="02020603050405020304" pitchFamily="18" charset="0"/>
@@ -20976,7 +20976,7 @@
               <a:buChar char=""/>
             </a:pPr>
             <a:r>
-              <a:rPr lang="en-GB" sz="1800" dirty="0">
+              <a:rPr lang="en-GB" sz="1600" dirty="0">
                 <a:effectLst/>
                 <a:latin typeface="Helvetica" panose="020B0604020202020204" pitchFamily="34" charset="0"/>
                 <a:ea typeface="Times New Roman" panose="02020603050405020304" pitchFamily="18" charset="0"/>
@@ -20984,7 +20984,7 @@
               </a:rPr>
               <a:t>Variables and Commands</a:t>
             </a:r>
-            <a:endParaRPr lang="en-ZA" sz="1800" dirty="0">
+            <a:endParaRPr lang="en-ZA" sz="1600" dirty="0">
               <a:effectLst/>
               <a:latin typeface="Helvetica" panose="020B0604020202020204" pitchFamily="34" charset="0"/>
               <a:ea typeface="Times New Roman" panose="02020603050405020304" pitchFamily="18" charset="0"/>
@@ -21000,7 +21000,7 @@
               <a:buChar char=""/>
             </a:pPr>
             <a:r>
-              <a:rPr lang="en-GB" sz="1800" dirty="0">
+              <a:rPr lang="en-GB" sz="1600" dirty="0">
                 <a:effectLst/>
                 <a:latin typeface="Helvetica" panose="020B0604020202020204" pitchFamily="34" charset="0"/>
                 <a:ea typeface="Times New Roman" panose="02020603050405020304" pitchFamily="18" charset="0"/>
@@ -21008,7 +21008,7 @@
               </a:rPr>
               <a:t>Mathematical Functions</a:t>
             </a:r>
-            <a:endParaRPr lang="en-ZA" sz="1800" dirty="0">
+            <a:endParaRPr lang="en-ZA" sz="1600" dirty="0">
               <a:effectLst/>
               <a:latin typeface="Helvetica" panose="020B0604020202020204" pitchFamily="34" charset="0"/>
               <a:ea typeface="Times New Roman" panose="02020603050405020304" pitchFamily="18" charset="0"/>
@@ -21024,7 +21024,7 @@
               <a:buChar char=""/>
             </a:pPr>
             <a:r>
-              <a:rPr lang="en-GB" sz="1800" dirty="0">
+              <a:rPr lang="en-GB" sz="1600" dirty="0">
                 <a:effectLst/>
                 <a:latin typeface="Helvetica" panose="020B0604020202020204" pitchFamily="34" charset="0"/>
                 <a:ea typeface="Times New Roman" panose="02020603050405020304" pitchFamily="18" charset="0"/>
@@ -21032,7 +21032,7 @@
               </a:rPr>
               <a:t>MATLAB Live Editor</a:t>
             </a:r>
-            <a:endParaRPr lang="en-ZA" sz="1800" dirty="0">
+            <a:endParaRPr lang="en-ZA" sz="1600" dirty="0">
               <a:latin typeface="Helvetica" panose="020B0604020202020204" pitchFamily="34" charset="0"/>
               <a:ea typeface="Times New Roman" panose="02020603050405020304" pitchFamily="18" charset="0"/>
               <a:cs typeface="Times New Roman" panose="02020603050405020304" pitchFamily="18" charset="0"/>
@@ -21052,7 +21052,7 @@
               <a:buNone/>
             </a:pPr>
             <a:r>
-              <a:rPr lang="en-GB" sz="1800" dirty="0">
+              <a:rPr lang="en-GB" sz="1600" dirty="0">
                 <a:effectLst/>
                 <a:latin typeface="Helvetica" panose="020B0604020202020204" pitchFamily="34" charset="0"/>
                 <a:ea typeface="Times New Roman" panose="02020603050405020304" pitchFamily="18" charset="0"/>
@@ -21060,7 +21060,7 @@
               </a:rPr>
               <a:t>This week we have split the content into two parts. We begin with Part 1: Arrays and Matrices, which covers the following: </a:t>
             </a:r>
-            <a:endParaRPr lang="en-ZA" sz="1800" dirty="0">
+            <a:endParaRPr lang="en-ZA" sz="1600" dirty="0">
               <a:effectLst/>
               <a:latin typeface="Helvetica" panose="020B0604020202020204" pitchFamily="34" charset="0"/>
               <a:ea typeface="Times New Roman" panose="02020603050405020304" pitchFamily="18" charset="0"/>
@@ -21076,7 +21076,7 @@
               <a:buChar char=""/>
             </a:pPr>
             <a:r>
-              <a:rPr lang="en-GB" sz="1800" dirty="0">
+              <a:rPr lang="en-GB" sz="1600" dirty="0">
                 <a:effectLst/>
                 <a:latin typeface="Helvetica" panose="020B0604020202020204" pitchFamily="34" charset="0"/>
                 <a:ea typeface="Times New Roman" panose="02020603050405020304" pitchFamily="18" charset="0"/>
@@ -21084,7 +21084,7 @@
               </a:rPr>
               <a:t>What arrays and matrices are</a:t>
             </a:r>
-            <a:endParaRPr lang="en-ZA" sz="1800" dirty="0">
+            <a:endParaRPr lang="en-ZA" sz="1600" dirty="0">
               <a:effectLst/>
               <a:latin typeface="Helvetica" panose="020B0604020202020204" pitchFamily="34" charset="0"/>
               <a:ea typeface="Times New Roman" panose="02020603050405020304" pitchFamily="18" charset="0"/>
@@ -21100,7 +21100,7 @@
               <a:buChar char=""/>
             </a:pPr>
             <a:r>
-              <a:rPr lang="en-GB" sz="1800" dirty="0">
+              <a:rPr lang="en-GB" sz="1600" dirty="0">
                 <a:effectLst/>
                 <a:latin typeface="Helvetica" panose="020B0604020202020204" pitchFamily="34" charset="0"/>
                 <a:ea typeface="Times New Roman" panose="02020603050405020304" pitchFamily="18" charset="0"/>
@@ -21108,7 +21108,7 @@
               </a:rPr>
               <a:t>Creating arrays</a:t>
             </a:r>
-            <a:endParaRPr lang="en-ZA" sz="1800" dirty="0">
+            <a:endParaRPr lang="en-ZA" sz="1600" dirty="0">
               <a:effectLst/>
               <a:latin typeface="Helvetica" panose="020B0604020202020204" pitchFamily="34" charset="0"/>
               <a:ea typeface="Times New Roman" panose="02020603050405020304" pitchFamily="18" charset="0"/>
@@ -21124,7 +21124,7 @@
               <a:buChar char=""/>
             </a:pPr>
             <a:r>
-              <a:rPr lang="en-GB" sz="1800" dirty="0">
+              <a:rPr lang="en-GB" sz="1600" dirty="0">
                 <a:effectLst/>
                 <a:latin typeface="Helvetica" panose="020B0604020202020204" pitchFamily="34" charset="0"/>
                 <a:ea typeface="Times New Roman" panose="02020603050405020304" pitchFamily="18" charset="0"/>
@@ -21132,7 +21132,7 @@
               </a:rPr>
               <a:t>Indexing into arrays </a:t>
             </a:r>
-            <a:endParaRPr lang="en-ZA" sz="1800" dirty="0">
+            <a:endParaRPr lang="en-ZA" sz="1600" dirty="0">
               <a:effectLst/>
               <a:latin typeface="Helvetica" panose="020B0604020202020204" pitchFamily="34" charset="0"/>
               <a:ea typeface="Times New Roman" panose="02020603050405020304" pitchFamily="18" charset="0"/>
@@ -21148,7 +21148,7 @@
               <a:buChar char=""/>
             </a:pPr>
             <a:r>
-              <a:rPr lang="en-GB" sz="1800" dirty="0">
+              <a:rPr lang="en-GB" sz="1600" dirty="0">
                 <a:effectLst/>
                 <a:latin typeface="Helvetica" panose="020B0604020202020204" pitchFamily="34" charset="0"/>
                 <a:ea typeface="Times New Roman" panose="02020603050405020304" pitchFamily="18" charset="0"/>
@@ -21156,7 +21156,7 @@
               </a:rPr>
               <a:t>Concatenation of arrays</a:t>
             </a:r>
-            <a:endParaRPr lang="en-ZA" sz="1800" dirty="0">
+            <a:endParaRPr lang="en-ZA" sz="1600" dirty="0">
               <a:effectLst/>
               <a:latin typeface="Helvetica" panose="020B0604020202020204" pitchFamily="34" charset="0"/>
               <a:ea typeface="Times New Roman" panose="02020603050405020304" pitchFamily="18" charset="0"/>
@@ -21172,7 +21172,7 @@
               <a:buChar char=""/>
             </a:pPr>
             <a:r>
-              <a:rPr lang="en-GB" sz="1800" dirty="0">
+              <a:rPr lang="en-GB" sz="1600" dirty="0">
                 <a:effectLst/>
                 <a:latin typeface="Helvetica" panose="020B0604020202020204" pitchFamily="34" charset="0"/>
                 <a:ea typeface="Times New Roman" panose="02020603050405020304" pitchFamily="18" charset="0"/>
@@ -21180,7 +21180,7 @@
               </a:rPr>
               <a:t>Operating with function on arrays</a:t>
             </a:r>
-            <a:endParaRPr lang="en-ZA" sz="1800" dirty="0">
+            <a:endParaRPr lang="en-ZA" sz="1600" dirty="0">
               <a:effectLst/>
               <a:latin typeface="Helvetica" panose="020B0604020202020204" pitchFamily="34" charset="0"/>
               <a:ea typeface="Times New Roman" panose="02020603050405020304" pitchFamily="18" charset="0"/>
@@ -21198,7 +21198,7 @@
                 <a:tab pos="901700" algn="l"/>
               </a:tabLst>
             </a:pPr>
-            <a:endParaRPr lang="en-ZA" sz="1800" dirty="0">
+            <a:endParaRPr lang="en-ZA" sz="1600" dirty="0">
               <a:effectLst/>
               <a:latin typeface="Helvetica" panose="020B0604020202020204" pitchFamily="34" charset="0"/>
               <a:ea typeface="Times New Roman" panose="02020603050405020304" pitchFamily="18" charset="0"/>
@@ -31916,7 +31916,7 @@
         </p:spPr>
         <p:txBody>
           <a:bodyPr>
-            <a:normAutofit lnSpcReduction="10000"/>
+            <a:normAutofit/>
           </a:bodyPr>
           <a:lstStyle/>
           <a:p>
@@ -32124,53 +32124,6 @@
               <a:buNone/>
             </a:pPr>
             <a:endParaRPr lang="en-GB" sz="1800" b="1" i="1" dirty="0">
-              <a:effectLst/>
-              <a:latin typeface="Helvetica" panose="020B0604020202020204" pitchFamily="34" charset="0"/>
-              <a:ea typeface="Times New Roman" panose="02020603050405020304" pitchFamily="18" charset="0"/>
-              <a:cs typeface="Times New Roman" panose="02020603050405020304" pitchFamily="18" charset="0"/>
-            </a:endParaRPr>
-          </a:p>
-          <a:p>
-            <a:pPr marL="0" indent="0">
-              <a:lnSpc>
-                <a:spcPct val="107000"/>
-              </a:lnSpc>
-              <a:spcBef>
-                <a:spcPts val="1050"/>
-              </a:spcBef>
-              <a:spcAft>
-                <a:spcPts val="1050"/>
-              </a:spcAft>
-              <a:buNone/>
-            </a:pPr>
-            <a:r>
-              <a:rPr lang="en-GB" sz="1800" b="1" i="1" dirty="0">
-                <a:effectLst/>
-                <a:latin typeface="Helvetica" panose="020B0604020202020204" pitchFamily="34" charset="0"/>
-                <a:ea typeface="Times New Roman" panose="02020603050405020304" pitchFamily="18" charset="0"/>
-                <a:cs typeface="Times New Roman" panose="02020603050405020304" pitchFamily="18" charset="0"/>
-              </a:rPr>
-              <a:t>Copyright 2022 The MathWorks, Inc. &amp; Opti-</a:t>
-            </a:r>
-            <a:r>
-              <a:rPr lang="en-GB" sz="1800" b="1" i="1" dirty="0" err="1">
-                <a:effectLst/>
-                <a:latin typeface="Helvetica" panose="020B0604020202020204" pitchFamily="34" charset="0"/>
-                <a:ea typeface="Times New Roman" panose="02020603050405020304" pitchFamily="18" charset="0"/>
-                <a:cs typeface="Times New Roman" panose="02020603050405020304" pitchFamily="18" charset="0"/>
-              </a:rPr>
-              <a:t>Num</a:t>
-            </a:r>
-            <a:r>
-              <a:rPr lang="en-GB" sz="1800" b="1" i="1" dirty="0">
-                <a:effectLst/>
-                <a:latin typeface="Helvetica" panose="020B0604020202020204" pitchFamily="34" charset="0"/>
-                <a:ea typeface="Times New Roman" panose="02020603050405020304" pitchFamily="18" charset="0"/>
-                <a:cs typeface="Times New Roman" panose="02020603050405020304" pitchFamily="18" charset="0"/>
-              </a:rPr>
-              <a:t> Solutions (Pty) Ltd. </a:t>
-            </a:r>
-            <a:endParaRPr lang="en-ZA" sz="1800" dirty="0">
               <a:effectLst/>
               <a:latin typeface="Helvetica" panose="020B0604020202020204" pitchFamily="34" charset="0"/>
               <a:ea typeface="Times New Roman" panose="02020603050405020304" pitchFamily="18" charset="0"/>
@@ -32434,14 +32387,14 @@
               <a:buNone/>
             </a:pPr>
             <a:r>
-              <a:rPr lang="en-ZA" sz="1600" dirty="0">
+              <a:rPr lang="en-ZA" sz="1800" dirty="0">
                 <a:latin typeface="Helvetica" panose="020B0604020202020204" pitchFamily="34" charset="0"/>
                 <a:ea typeface="Times New Roman" panose="02020603050405020304" pitchFamily="18" charset="0"/>
                 <a:cs typeface="Times New Roman" panose="02020603050405020304" pitchFamily="18" charset="0"/>
               </a:rPr>
               <a:t>Click on the link below for this lecture’s MATLAB live Script</a:t>
             </a:r>
-            <a:endParaRPr lang="en-ZA" sz="1600" dirty="0">
+            <a:endParaRPr lang="en-ZA" sz="1800" dirty="0">
               <a:effectLst/>
               <a:latin typeface="Helvetica" panose="020B0604020202020204" pitchFamily="34" charset="0"/>
               <a:ea typeface="Times New Roman" panose="02020603050405020304" pitchFamily="18" charset="0"/>
@@ -32462,7 +32415,7 @@
               </a:spcAft>
             </a:pPr>
             <a:r>
-              <a:rPr lang="en-ZA" sz="1600" dirty="0">
+              <a:rPr lang="en-ZA" sz="1800" dirty="0">
                 <a:effectLst/>
                 <a:latin typeface="Helvetica" panose="020B0604020202020204" pitchFamily="34" charset="0"/>
                 <a:ea typeface="Times New Roman" panose="02020603050405020304" pitchFamily="18" charset="0"/>
@@ -32471,15 +32424,174 @@
               </a:rPr>
               <a:t>Week_2_Part_1_Arrays_and_Matrices.mlx</a:t>
             </a:r>
-            <a:endParaRPr kumimoji="0" lang="en-ZA" altLang="en-US" sz="1600" b="0" i="0" u="none" strike="noStrike" cap="none" normalizeH="0" baseline="0" dirty="0">
-              <a:ln>
-                <a:noFill/>
-              </a:ln>
-              <a:solidFill>
-                <a:schemeClr val="tx1"/>
-              </a:solidFill>
+            <a:endParaRPr lang="en-ZA" sz="1800" dirty="0">
               <a:effectLst/>
-              <a:latin typeface="Arial" panose="020B0604020202020204" pitchFamily="34" charset="0"/>
+              <a:latin typeface="Helvetica" panose="020B0604020202020204" pitchFamily="34" charset="0"/>
+              <a:ea typeface="Times New Roman" panose="02020603050405020304" pitchFamily="18" charset="0"/>
+              <a:cs typeface="Times New Roman" panose="02020603050405020304" pitchFamily="18" charset="0"/>
+            </a:endParaRPr>
+          </a:p>
+          <a:p>
+            <a:pPr marL="0" indent="0">
+              <a:lnSpc>
+                <a:spcPct val="107000"/>
+              </a:lnSpc>
+              <a:spcBef>
+                <a:spcPts val="1050"/>
+              </a:spcBef>
+              <a:spcAft>
+                <a:spcPts val="1050"/>
+              </a:spcAft>
+              <a:buNone/>
+            </a:pPr>
+            <a:endParaRPr lang="en-GB" sz="1800" b="1" i="1" dirty="0">
+              <a:effectLst/>
+              <a:latin typeface="Helvetica" panose="020B0604020202020204" pitchFamily="34" charset="0"/>
+              <a:ea typeface="Times New Roman" panose="02020603050405020304" pitchFamily="18" charset="0"/>
+              <a:cs typeface="Times New Roman" panose="02020603050405020304" pitchFamily="18" charset="0"/>
+            </a:endParaRPr>
+          </a:p>
+          <a:p>
+            <a:pPr marL="0" indent="0">
+              <a:lnSpc>
+                <a:spcPct val="107000"/>
+              </a:lnSpc>
+              <a:spcBef>
+                <a:spcPts val="1050"/>
+              </a:spcBef>
+              <a:spcAft>
+                <a:spcPts val="1050"/>
+              </a:spcAft>
+              <a:buNone/>
+            </a:pPr>
+            <a:endParaRPr lang="en-GB" sz="1800" b="1" i="1" dirty="0">
+              <a:latin typeface="Helvetica" panose="020B0604020202020204" pitchFamily="34" charset="0"/>
+              <a:ea typeface="Times New Roman" panose="02020603050405020304" pitchFamily="18" charset="0"/>
+              <a:cs typeface="Times New Roman" panose="02020603050405020304" pitchFamily="18" charset="0"/>
+            </a:endParaRPr>
+          </a:p>
+          <a:p>
+            <a:pPr marL="0" indent="0">
+              <a:lnSpc>
+                <a:spcPct val="107000"/>
+              </a:lnSpc>
+              <a:spcBef>
+                <a:spcPts val="1050"/>
+              </a:spcBef>
+              <a:spcAft>
+                <a:spcPts val="1050"/>
+              </a:spcAft>
+              <a:buNone/>
+            </a:pPr>
+            <a:endParaRPr lang="en-GB" sz="1800" b="1" i="1" dirty="0">
+              <a:effectLst/>
+              <a:latin typeface="Helvetica" panose="020B0604020202020204" pitchFamily="34" charset="0"/>
+              <a:ea typeface="Times New Roman" panose="02020603050405020304" pitchFamily="18" charset="0"/>
+              <a:cs typeface="Times New Roman" panose="02020603050405020304" pitchFamily="18" charset="0"/>
+            </a:endParaRPr>
+          </a:p>
+          <a:p>
+            <a:pPr marL="0" indent="0">
+              <a:lnSpc>
+                <a:spcPct val="107000"/>
+              </a:lnSpc>
+              <a:spcBef>
+                <a:spcPts val="1050"/>
+              </a:spcBef>
+              <a:spcAft>
+                <a:spcPts val="1050"/>
+              </a:spcAft>
+              <a:buNone/>
+            </a:pPr>
+            <a:endParaRPr lang="en-GB" sz="1800" b="1" i="1" dirty="0">
+              <a:latin typeface="Helvetica" panose="020B0604020202020204" pitchFamily="34" charset="0"/>
+              <a:ea typeface="Times New Roman" panose="02020603050405020304" pitchFamily="18" charset="0"/>
+              <a:cs typeface="Times New Roman" panose="02020603050405020304" pitchFamily="18" charset="0"/>
+            </a:endParaRPr>
+          </a:p>
+          <a:p>
+            <a:pPr marL="0" indent="0">
+              <a:lnSpc>
+                <a:spcPct val="107000"/>
+              </a:lnSpc>
+              <a:spcBef>
+                <a:spcPts val="1050"/>
+              </a:spcBef>
+              <a:spcAft>
+                <a:spcPts val="1050"/>
+              </a:spcAft>
+              <a:buNone/>
+            </a:pPr>
+            <a:endParaRPr lang="en-GB" sz="1800" b="1" i="1" dirty="0">
+              <a:latin typeface="Helvetica" panose="020B0604020202020204" pitchFamily="34" charset="0"/>
+              <a:ea typeface="Times New Roman" panose="02020603050405020304" pitchFamily="18" charset="0"/>
+              <a:cs typeface="Times New Roman" panose="02020603050405020304" pitchFamily="18" charset="0"/>
+            </a:endParaRPr>
+          </a:p>
+          <a:p>
+            <a:pPr marL="0" indent="0">
+              <a:lnSpc>
+                <a:spcPct val="107000"/>
+              </a:lnSpc>
+              <a:spcBef>
+                <a:spcPts val="1050"/>
+              </a:spcBef>
+              <a:spcAft>
+                <a:spcPts val="1050"/>
+              </a:spcAft>
+              <a:buNone/>
+            </a:pPr>
+            <a:endParaRPr lang="en-GB" sz="1800" b="1" i="1" dirty="0">
+              <a:latin typeface="Helvetica" panose="020B0604020202020204" pitchFamily="34" charset="0"/>
+              <a:ea typeface="Times New Roman" panose="02020603050405020304" pitchFamily="18" charset="0"/>
+              <a:cs typeface="Times New Roman" panose="02020603050405020304" pitchFamily="18" charset="0"/>
+            </a:endParaRPr>
+          </a:p>
+          <a:p>
+            <a:pPr marL="0" indent="0">
+              <a:lnSpc>
+                <a:spcPct val="107000"/>
+              </a:lnSpc>
+              <a:spcBef>
+                <a:spcPts val="1050"/>
+              </a:spcBef>
+              <a:spcAft>
+                <a:spcPts val="1050"/>
+              </a:spcAft>
+              <a:buNone/>
+            </a:pPr>
+            <a:r>
+              <a:rPr lang="en-GB" sz="1800" b="1" i="1" dirty="0">
+                <a:effectLst/>
+                <a:latin typeface="Helvetica" panose="020B0604020202020204" pitchFamily="34" charset="0"/>
+                <a:ea typeface="Times New Roman" panose="02020603050405020304" pitchFamily="18" charset="0"/>
+                <a:cs typeface="Times New Roman" panose="02020603050405020304" pitchFamily="18" charset="0"/>
+              </a:rPr>
+              <a:t>Copyright 2022 The MathWorks, Inc. &amp; Opti-</a:t>
+            </a:r>
+            <a:r>
+              <a:rPr lang="en-GB" sz="1800" b="1" i="1" dirty="0" err="1">
+                <a:effectLst/>
+                <a:latin typeface="Helvetica" panose="020B0604020202020204" pitchFamily="34" charset="0"/>
+                <a:ea typeface="Times New Roman" panose="02020603050405020304" pitchFamily="18" charset="0"/>
+                <a:cs typeface="Times New Roman" panose="02020603050405020304" pitchFamily="18" charset="0"/>
+              </a:rPr>
+              <a:t>Num</a:t>
+            </a:r>
+            <a:r>
+              <a:rPr lang="en-GB" sz="1800" b="1" i="1" dirty="0">
+                <a:effectLst/>
+                <a:latin typeface="Helvetica" panose="020B0604020202020204" pitchFamily="34" charset="0"/>
+                <a:ea typeface="Times New Roman" panose="02020603050405020304" pitchFamily="18" charset="0"/>
+                <a:cs typeface="Times New Roman" panose="02020603050405020304" pitchFamily="18" charset="0"/>
+              </a:rPr>
+              <a:t> Solutions (Pty) Ltd.</a:t>
+            </a:r>
+            <a:endParaRPr lang="en-ZA" sz="1800" dirty="0">
+              <a:effectLst/>
+              <a:latin typeface="Helvetica" panose="020B0604020202020204" pitchFamily="34" charset="0"/>
+              <a:ea typeface="Times New Roman" panose="02020603050405020304" pitchFamily="18" charset="0"/>
+              <a:cs typeface="Times New Roman" panose="02020603050405020304" pitchFamily="18" charset="0"/>
             </a:endParaRPr>
           </a:p>
         </p:txBody>
